--- a/VEEPortingGuide/images/java-c-ui-interface.pptx
+++ b/VEEPortingGuide/images/java-c-ui-interface.pptx
@@ -261,7 +261,7 @@
           <a:p>
             <a:fld id="{4E285625-C24A-4341-90BC-6CD71F835625}" type="datetimeFigureOut">
               <a:rPr lang="en-GB" smtClean="0"/>
-              <a:t>23/11/2020</a:t>
+              <a:t>01/12/2025</a:t>
             </a:fld>
             <a:endParaRPr lang="en-GB"/>
           </a:p>
@@ -461,7 +461,7 @@
           <a:p>
             <a:fld id="{4E285625-C24A-4341-90BC-6CD71F835625}" type="datetimeFigureOut">
               <a:rPr lang="en-GB" smtClean="0"/>
-              <a:t>23/11/2020</a:t>
+              <a:t>01/12/2025</a:t>
             </a:fld>
             <a:endParaRPr lang="en-GB"/>
           </a:p>
@@ -671,7 +671,7 @@
           <a:p>
             <a:fld id="{4E285625-C24A-4341-90BC-6CD71F835625}" type="datetimeFigureOut">
               <a:rPr lang="en-GB" smtClean="0"/>
-              <a:t>23/11/2020</a:t>
+              <a:t>01/12/2025</a:t>
             </a:fld>
             <a:endParaRPr lang="en-GB"/>
           </a:p>
@@ -871,7 +871,7 @@
           <a:p>
             <a:fld id="{4E285625-C24A-4341-90BC-6CD71F835625}" type="datetimeFigureOut">
               <a:rPr lang="en-GB" smtClean="0"/>
-              <a:t>23/11/2020</a:t>
+              <a:t>01/12/2025</a:t>
             </a:fld>
             <a:endParaRPr lang="en-GB"/>
           </a:p>
@@ -1147,7 +1147,7 @@
           <a:p>
             <a:fld id="{4E285625-C24A-4341-90BC-6CD71F835625}" type="datetimeFigureOut">
               <a:rPr lang="en-GB" smtClean="0"/>
-              <a:t>23/11/2020</a:t>
+              <a:t>01/12/2025</a:t>
             </a:fld>
             <a:endParaRPr lang="en-GB"/>
           </a:p>
@@ -1415,7 +1415,7 @@
           <a:p>
             <a:fld id="{4E285625-C24A-4341-90BC-6CD71F835625}" type="datetimeFigureOut">
               <a:rPr lang="en-GB" smtClean="0"/>
-              <a:t>23/11/2020</a:t>
+              <a:t>01/12/2025</a:t>
             </a:fld>
             <a:endParaRPr lang="en-GB"/>
           </a:p>
@@ -1830,7 +1830,7 @@
           <a:p>
             <a:fld id="{4E285625-C24A-4341-90BC-6CD71F835625}" type="datetimeFigureOut">
               <a:rPr lang="en-GB" smtClean="0"/>
-              <a:t>23/11/2020</a:t>
+              <a:t>01/12/2025</a:t>
             </a:fld>
             <a:endParaRPr lang="en-GB"/>
           </a:p>
@@ -1972,7 +1972,7 @@
           <a:p>
             <a:fld id="{4E285625-C24A-4341-90BC-6CD71F835625}" type="datetimeFigureOut">
               <a:rPr lang="en-GB" smtClean="0"/>
-              <a:t>23/11/2020</a:t>
+              <a:t>01/12/2025</a:t>
             </a:fld>
             <a:endParaRPr lang="en-GB"/>
           </a:p>
@@ -2085,7 +2085,7 @@
           <a:p>
             <a:fld id="{4E285625-C24A-4341-90BC-6CD71F835625}" type="datetimeFigureOut">
               <a:rPr lang="en-GB" smtClean="0"/>
-              <a:t>23/11/2020</a:t>
+              <a:t>01/12/2025</a:t>
             </a:fld>
             <a:endParaRPr lang="en-GB"/>
           </a:p>
@@ -2398,7 +2398,7 @@
           <a:p>
             <a:fld id="{4E285625-C24A-4341-90BC-6CD71F835625}" type="datetimeFigureOut">
               <a:rPr lang="en-GB" smtClean="0"/>
-              <a:t>23/11/2020</a:t>
+              <a:t>01/12/2025</a:t>
             </a:fld>
             <a:endParaRPr lang="en-GB"/>
           </a:p>
@@ -2687,7 +2687,7 @@
           <a:p>
             <a:fld id="{4E285625-C24A-4341-90BC-6CD71F835625}" type="datetimeFigureOut">
               <a:rPr lang="en-GB" smtClean="0"/>
-              <a:t>23/11/2020</a:t>
+              <a:t>01/12/2025</a:t>
             </a:fld>
             <a:endParaRPr lang="en-GB"/>
           </a:p>
@@ -2930,7 +2930,7 @@
           <a:p>
             <a:fld id="{4E285625-C24A-4341-90BC-6CD71F835625}" type="datetimeFigureOut">
               <a:rPr lang="en-GB" smtClean="0"/>
-              <a:t>23/11/2020</a:t>
+              <a:t>01/12/2025</a:t>
             </a:fld>
             <a:endParaRPr lang="en-GB"/>
           </a:p>
@@ -4604,7 +4604,7 @@
         <p:spPr>
           <a:xfrm>
             <a:off x="2350142" y="4092481"/>
-            <a:ext cx="1281599" cy="276999"/>
+            <a:ext cx="1422327" cy="276999"/>
           </a:xfrm>
           <a:prstGeom prst="rect">
             <a:avLst/>
@@ -4649,7 +4649,7 @@
                 <a:ea typeface="Source Sans Pro Light" charset="0"/>
                 <a:cs typeface="Source Sans Pro Light" charset="0"/>
               </a:rPr>
-              <a:t>Provided by user</a:t>
+              <a:t>Provided by user(s)</a:t>
             </a:r>
           </a:p>
         </p:txBody>
@@ -4668,8 +4668,8 @@
         </p:nvSpPr>
         <p:spPr>
           <a:xfrm>
-            <a:off x="3931199" y="4101435"/>
-            <a:ext cx="1548455" cy="276999"/>
+            <a:off x="3958094" y="4101435"/>
+            <a:ext cx="1564166" cy="276999"/>
           </a:xfrm>
           <a:prstGeom prst="rect">
             <a:avLst/>
@@ -4708,7 +4708,7 @@
                 <a:ea typeface="Source Sans Pro Light" charset="0"/>
                 <a:cs typeface="Source Sans Pro Light" charset="0"/>
               </a:rPr>
-              <a:t>Provided by platform</a:t>
+              <a:t>Provided by VEE Port</a:t>
             </a:r>
             <a:endParaRPr kumimoji="0" lang="en-US" sz="1200" b="0" i="0" u="none" strike="noStrike" kern="0" cap="none" spc="0" normalizeH="0" baseline="0" noProof="0" dirty="0">
               <a:ln>
@@ -4741,8 +4741,8 @@
         </p:nvSpPr>
         <p:spPr>
           <a:xfrm>
-            <a:off x="3098584" y="2016446"/>
-            <a:ext cx="776204" cy="276999"/>
+            <a:off x="3378217" y="1988920"/>
+            <a:ext cx="958192" cy="276999"/>
           </a:xfrm>
           <a:prstGeom prst="rect">
             <a:avLst/>
@@ -4773,22 +4773,30 @@
               <a:defRPr/>
             </a:pPr>
             <a:r>
-              <a:rPr kumimoji="0" lang="en-US" sz="1200" b="0" i="0" u="none" strike="noStrike" kern="0" cap="none" spc="0" normalizeH="0" baseline="0" noProof="0" dirty="0">
-                <a:ln>
-                  <a:noFill/>
-                </a:ln>
+              <a:rPr lang="en-US" sz="1200" kern="0" dirty="0">
                 <a:solidFill>
                   <a:srgbClr val="4B5357"/>
                 </a:solidFill>
-                <a:effectLst/>
-                <a:uLnTx/>
-                <a:uFillTx/>
                 <a:latin typeface="Source Sans Pro Light" charset="0"/>
                 <a:ea typeface="Source Sans Pro Light" charset="0"/>
                 <a:cs typeface="Source Sans Pro Light" charset="0"/>
               </a:rPr>
-              <a:t>Platform</a:t>
-            </a:r>
+              <a:t>Embedded</a:t>
+            </a:r>
+            <a:endParaRPr kumimoji="0" lang="en-US" sz="1200" b="0" i="0" u="none" strike="noStrike" kern="0" cap="none" spc="0" normalizeH="0" baseline="0" noProof="0" dirty="0">
+              <a:ln>
+                <a:noFill/>
+              </a:ln>
+              <a:solidFill>
+                <a:srgbClr val="4B5357"/>
+              </a:solidFill>
+              <a:effectLst/>
+              <a:uLnTx/>
+              <a:uFillTx/>
+              <a:latin typeface="Source Sans Pro Light" charset="0"/>
+              <a:ea typeface="Source Sans Pro Light" charset="0"/>
+              <a:cs typeface="Source Sans Pro Light" charset="0"/>
+            </a:endParaRPr>
           </a:p>
         </p:txBody>
       </p:sp>
@@ -4992,7 +5000,7 @@
         </p:nvSpPr>
         <p:spPr>
           <a:xfrm>
-            <a:off x="3714317" y="4108666"/>
+            <a:off x="3777072" y="4108666"/>
             <a:ext cx="252000" cy="252000"/>
           </a:xfrm>
           <a:prstGeom prst="roundRect">
